--- a/ppt 16-9/0171.明星灿烂.pptx
+++ b/ppt 16-9/0171.明星灿烂.pptx
@@ -5,7 +5,7 @@
     <p:sldMasterId id="2147483648" r:id="rId1"/>
   </p:sldMasterIdLst>
   <p:sldIdLst>
-    <p:sldId id="2791" r:id="rId2"/>
+    <p:sldId id="2792" r:id="rId2"/>
   </p:sldIdLst>
   <p:sldSz cx="12192000" cy="6858000"/>
   <p:notesSz cx="6858000" cy="9144000"/>
@@ -129,7 +129,7 @@
           <p:cNvPr id="2" name="标题 1">
             <a:extLst>
               <a:ext uri="{FF2B5EF4-FFF2-40B4-BE49-F238E27FC236}">
-                <a16:creationId xmlns:a16="http://schemas.microsoft.com/office/drawing/2014/main" id="{5BDFEEA8-638D-6569-37DC-2B4048A32FA6}"/>
+                <a16:creationId xmlns:a16="http://schemas.microsoft.com/office/drawing/2014/main" id="{3246D7E9-4939-165A-BF7F-FA82295224F2}"/>
               </a:ext>
             </a:extLst>
           </p:cNvPr>
@@ -166,7 +166,7 @@
           <p:cNvPr id="3" name="副标题 2">
             <a:extLst>
               <a:ext uri="{FF2B5EF4-FFF2-40B4-BE49-F238E27FC236}">
-                <a16:creationId xmlns:a16="http://schemas.microsoft.com/office/drawing/2014/main" id="{4EF3EFE8-5B11-FBBE-DCFC-0334CAAC826A}"/>
+                <a16:creationId xmlns:a16="http://schemas.microsoft.com/office/drawing/2014/main" id="{9C0093F5-715D-D8FC-B949-1E20DE709C6B}"/>
               </a:ext>
             </a:extLst>
           </p:cNvPr>
@@ -236,7 +236,7 @@
           <p:cNvPr id="4" name="日期占位符 3">
             <a:extLst>
               <a:ext uri="{FF2B5EF4-FFF2-40B4-BE49-F238E27FC236}">
-                <a16:creationId xmlns:a16="http://schemas.microsoft.com/office/drawing/2014/main" id="{3729B382-2B6E-4EE6-271C-99F1CC466872}"/>
+                <a16:creationId xmlns:a16="http://schemas.microsoft.com/office/drawing/2014/main" id="{D3189B7D-7F11-2C9B-F96E-5A2E7C1DCC45}"/>
               </a:ext>
             </a:extLst>
           </p:cNvPr>
@@ -252,7 +252,7 @@
           <a:bodyPr/>
           <a:lstStyle/>
           <a:p>
-            <a:fld id="{1646E971-C812-44D9-A507-7F5B4748B41B}" type="datetimeFigureOut">
+            <a:fld id="{9275C36A-8011-4276-967A-8BDE6E01EBEB}" type="datetimeFigureOut">
               <a:rPr lang="zh-CN" altLang="en-US" smtClean="0"/>
               <a:t>2024/3/10</a:t>
             </a:fld>
@@ -265,7 +265,7 @@
           <p:cNvPr id="5" name="页脚占位符 4">
             <a:extLst>
               <a:ext uri="{FF2B5EF4-FFF2-40B4-BE49-F238E27FC236}">
-                <a16:creationId xmlns:a16="http://schemas.microsoft.com/office/drawing/2014/main" id="{A69D8322-DAF4-A216-43B9-769C3F91D417}"/>
+                <a16:creationId xmlns:a16="http://schemas.microsoft.com/office/drawing/2014/main" id="{8E6A2FEF-B65D-DBB5-9BC3-4165FE7208C7}"/>
               </a:ext>
             </a:extLst>
           </p:cNvPr>
@@ -290,7 +290,7 @@
           <p:cNvPr id="6" name="灯片编号占位符 5">
             <a:extLst>
               <a:ext uri="{FF2B5EF4-FFF2-40B4-BE49-F238E27FC236}">
-                <a16:creationId xmlns:a16="http://schemas.microsoft.com/office/drawing/2014/main" id="{5F317987-6E63-A616-502B-5A7F3AAC0A65}"/>
+                <a16:creationId xmlns:a16="http://schemas.microsoft.com/office/drawing/2014/main" id="{D798AF76-2A72-7AAD-A0C4-33D0D77BB15A}"/>
               </a:ext>
             </a:extLst>
           </p:cNvPr>
@@ -306,7 +306,7 @@
           <a:bodyPr/>
           <a:lstStyle/>
           <a:p>
-            <a:fld id="{F9B21A13-4345-43FF-9140-3AB183743428}" type="slidenum">
+            <a:fld id="{4FF1695A-15C8-4038-B894-7EFE99B01AE0}" type="slidenum">
               <a:rPr lang="zh-CN" altLang="en-US" smtClean="0"/>
               <a:t>‹#›</a:t>
             </a:fld>
@@ -317,7 +317,7 @@
     </p:spTree>
     <p:extLst>
       <p:ext uri="{BB962C8B-B14F-4D97-AF65-F5344CB8AC3E}">
-        <p14:creationId xmlns:p14="http://schemas.microsoft.com/office/powerpoint/2010/main" val="1781794241"/>
+        <p14:creationId xmlns:p14="http://schemas.microsoft.com/office/powerpoint/2010/main" val="3177402952"/>
       </p:ext>
     </p:extLst>
   </p:cSld>
@@ -349,7 +349,7 @@
           <p:cNvPr id="2" name="标题 1">
             <a:extLst>
               <a:ext uri="{FF2B5EF4-FFF2-40B4-BE49-F238E27FC236}">
-                <a16:creationId xmlns:a16="http://schemas.microsoft.com/office/drawing/2014/main" id="{56B72E6E-1C41-1128-0CAC-5753EE5DFE70}"/>
+                <a16:creationId xmlns:a16="http://schemas.microsoft.com/office/drawing/2014/main" id="{A1E08E97-53DB-01B2-AEED-F79B56C5D560}"/>
               </a:ext>
             </a:extLst>
           </p:cNvPr>
@@ -377,7 +377,7 @@
           <p:cNvPr id="3" name="竖排文字占位符 2">
             <a:extLst>
               <a:ext uri="{FF2B5EF4-FFF2-40B4-BE49-F238E27FC236}">
-                <a16:creationId xmlns:a16="http://schemas.microsoft.com/office/drawing/2014/main" id="{248133FB-043B-EEDB-1986-C92C337AD383}"/>
+                <a16:creationId xmlns:a16="http://schemas.microsoft.com/office/drawing/2014/main" id="{2CEFC98F-FDE0-5469-B358-60018A767629}"/>
               </a:ext>
             </a:extLst>
           </p:cNvPr>
@@ -434,7 +434,7 @@
           <p:cNvPr id="4" name="日期占位符 3">
             <a:extLst>
               <a:ext uri="{FF2B5EF4-FFF2-40B4-BE49-F238E27FC236}">
-                <a16:creationId xmlns:a16="http://schemas.microsoft.com/office/drawing/2014/main" id="{3F9761A2-113B-0C85-C209-ABF277F96E58}"/>
+                <a16:creationId xmlns:a16="http://schemas.microsoft.com/office/drawing/2014/main" id="{C237D913-63C2-CCF5-E43D-2D0C764F6D65}"/>
               </a:ext>
             </a:extLst>
           </p:cNvPr>
@@ -450,7 +450,7 @@
           <a:bodyPr/>
           <a:lstStyle/>
           <a:p>
-            <a:fld id="{1646E971-C812-44D9-A507-7F5B4748B41B}" type="datetimeFigureOut">
+            <a:fld id="{9275C36A-8011-4276-967A-8BDE6E01EBEB}" type="datetimeFigureOut">
               <a:rPr lang="zh-CN" altLang="en-US" smtClean="0"/>
               <a:t>2024/3/10</a:t>
             </a:fld>
@@ -463,7 +463,7 @@
           <p:cNvPr id="5" name="页脚占位符 4">
             <a:extLst>
               <a:ext uri="{FF2B5EF4-FFF2-40B4-BE49-F238E27FC236}">
-                <a16:creationId xmlns:a16="http://schemas.microsoft.com/office/drawing/2014/main" id="{72104912-5755-CEFD-970F-34D8411CEED4}"/>
+                <a16:creationId xmlns:a16="http://schemas.microsoft.com/office/drawing/2014/main" id="{9CBDC47A-22D1-6B69-158F-07081044BD4C}"/>
               </a:ext>
             </a:extLst>
           </p:cNvPr>
@@ -488,7 +488,7 @@
           <p:cNvPr id="6" name="灯片编号占位符 5">
             <a:extLst>
               <a:ext uri="{FF2B5EF4-FFF2-40B4-BE49-F238E27FC236}">
-                <a16:creationId xmlns:a16="http://schemas.microsoft.com/office/drawing/2014/main" id="{A9FDC455-7765-F4E8-632D-081FBA43C552}"/>
+                <a16:creationId xmlns:a16="http://schemas.microsoft.com/office/drawing/2014/main" id="{5921C23E-D02F-FA35-6568-A2715AB970C1}"/>
               </a:ext>
             </a:extLst>
           </p:cNvPr>
@@ -504,7 +504,7 @@
           <a:bodyPr/>
           <a:lstStyle/>
           <a:p>
-            <a:fld id="{F9B21A13-4345-43FF-9140-3AB183743428}" type="slidenum">
+            <a:fld id="{4FF1695A-15C8-4038-B894-7EFE99B01AE0}" type="slidenum">
               <a:rPr lang="zh-CN" altLang="en-US" smtClean="0"/>
               <a:t>‹#›</a:t>
             </a:fld>
@@ -515,7 +515,7 @@
     </p:spTree>
     <p:extLst>
       <p:ext uri="{BB962C8B-B14F-4D97-AF65-F5344CB8AC3E}">
-        <p14:creationId xmlns:p14="http://schemas.microsoft.com/office/powerpoint/2010/main" val="562629628"/>
+        <p14:creationId xmlns:p14="http://schemas.microsoft.com/office/powerpoint/2010/main" val="1306539131"/>
       </p:ext>
     </p:extLst>
   </p:cSld>
@@ -547,7 +547,7 @@
           <p:cNvPr id="2" name="竖排标题 1">
             <a:extLst>
               <a:ext uri="{FF2B5EF4-FFF2-40B4-BE49-F238E27FC236}">
-                <a16:creationId xmlns:a16="http://schemas.microsoft.com/office/drawing/2014/main" id="{C46F2601-5D86-CAD2-5A30-3A3B381E05C4}"/>
+                <a16:creationId xmlns:a16="http://schemas.microsoft.com/office/drawing/2014/main" id="{C338839F-E7FD-467F-99F3-0A39B1B7FD87}"/>
               </a:ext>
             </a:extLst>
           </p:cNvPr>
@@ -580,7 +580,7 @@
           <p:cNvPr id="3" name="竖排文字占位符 2">
             <a:extLst>
               <a:ext uri="{FF2B5EF4-FFF2-40B4-BE49-F238E27FC236}">
-                <a16:creationId xmlns:a16="http://schemas.microsoft.com/office/drawing/2014/main" id="{0F5CD162-121D-A72E-47BD-33A5504D7F36}"/>
+                <a16:creationId xmlns:a16="http://schemas.microsoft.com/office/drawing/2014/main" id="{C0768D94-1415-5C6D-DFBF-14F7D3F81610}"/>
               </a:ext>
             </a:extLst>
           </p:cNvPr>
@@ -642,7 +642,7 @@
           <p:cNvPr id="4" name="日期占位符 3">
             <a:extLst>
               <a:ext uri="{FF2B5EF4-FFF2-40B4-BE49-F238E27FC236}">
-                <a16:creationId xmlns:a16="http://schemas.microsoft.com/office/drawing/2014/main" id="{C66D7F54-7B7B-2003-992C-96D9AE2717D8}"/>
+                <a16:creationId xmlns:a16="http://schemas.microsoft.com/office/drawing/2014/main" id="{68285B69-E768-3F33-5FC9-83A6CA887A8E}"/>
               </a:ext>
             </a:extLst>
           </p:cNvPr>
@@ -658,7 +658,7 @@
           <a:bodyPr/>
           <a:lstStyle/>
           <a:p>
-            <a:fld id="{1646E971-C812-44D9-A507-7F5B4748B41B}" type="datetimeFigureOut">
+            <a:fld id="{9275C36A-8011-4276-967A-8BDE6E01EBEB}" type="datetimeFigureOut">
               <a:rPr lang="zh-CN" altLang="en-US" smtClean="0"/>
               <a:t>2024/3/10</a:t>
             </a:fld>
@@ -671,7 +671,7 @@
           <p:cNvPr id="5" name="页脚占位符 4">
             <a:extLst>
               <a:ext uri="{FF2B5EF4-FFF2-40B4-BE49-F238E27FC236}">
-                <a16:creationId xmlns:a16="http://schemas.microsoft.com/office/drawing/2014/main" id="{4010A85F-03B7-7573-7B81-6AC573EFA8D7}"/>
+                <a16:creationId xmlns:a16="http://schemas.microsoft.com/office/drawing/2014/main" id="{EF8BF21B-D68E-452D-5E57-466F104A117C}"/>
               </a:ext>
             </a:extLst>
           </p:cNvPr>
@@ -696,7 +696,7 @@
           <p:cNvPr id="6" name="灯片编号占位符 5">
             <a:extLst>
               <a:ext uri="{FF2B5EF4-FFF2-40B4-BE49-F238E27FC236}">
-                <a16:creationId xmlns:a16="http://schemas.microsoft.com/office/drawing/2014/main" id="{F9108693-9CE1-DBC6-E021-17861A6DD542}"/>
+                <a16:creationId xmlns:a16="http://schemas.microsoft.com/office/drawing/2014/main" id="{D2C805EA-F491-2C10-4DB2-15D5D711E4AC}"/>
               </a:ext>
             </a:extLst>
           </p:cNvPr>
@@ -712,7 +712,7 @@
           <a:bodyPr/>
           <a:lstStyle/>
           <a:p>
-            <a:fld id="{F9B21A13-4345-43FF-9140-3AB183743428}" type="slidenum">
+            <a:fld id="{4FF1695A-15C8-4038-B894-7EFE99B01AE0}" type="slidenum">
               <a:rPr lang="zh-CN" altLang="en-US" smtClean="0"/>
               <a:t>‹#›</a:t>
             </a:fld>
@@ -723,7 +723,7 @@
     </p:spTree>
     <p:extLst>
       <p:ext uri="{BB962C8B-B14F-4D97-AF65-F5344CB8AC3E}">
-        <p14:creationId xmlns:p14="http://schemas.microsoft.com/office/powerpoint/2010/main" val="3879026387"/>
+        <p14:creationId xmlns:p14="http://schemas.microsoft.com/office/powerpoint/2010/main" val="2620185718"/>
       </p:ext>
     </p:extLst>
   </p:cSld>
@@ -755,7 +755,7 @@
           <p:cNvPr id="2" name="标题 1">
             <a:extLst>
               <a:ext uri="{FF2B5EF4-FFF2-40B4-BE49-F238E27FC236}">
-                <a16:creationId xmlns:a16="http://schemas.microsoft.com/office/drawing/2014/main" id="{138A6E24-B2C0-C2C7-40F8-BB1A364F4944}"/>
+                <a16:creationId xmlns:a16="http://schemas.microsoft.com/office/drawing/2014/main" id="{E9777C7A-F468-78A8-A42B-A11925032FDE}"/>
               </a:ext>
             </a:extLst>
           </p:cNvPr>
@@ -783,7 +783,7 @@
           <p:cNvPr id="3" name="内容占位符 2">
             <a:extLst>
               <a:ext uri="{FF2B5EF4-FFF2-40B4-BE49-F238E27FC236}">
-                <a16:creationId xmlns:a16="http://schemas.microsoft.com/office/drawing/2014/main" id="{E073F5C3-3F70-2C2F-9BB1-B5FB9B3E8811}"/>
+                <a16:creationId xmlns:a16="http://schemas.microsoft.com/office/drawing/2014/main" id="{098CB9C8-2197-E01C-23D9-2DF2ADED211F}"/>
               </a:ext>
             </a:extLst>
           </p:cNvPr>
@@ -840,7 +840,7 @@
           <p:cNvPr id="4" name="日期占位符 3">
             <a:extLst>
               <a:ext uri="{FF2B5EF4-FFF2-40B4-BE49-F238E27FC236}">
-                <a16:creationId xmlns:a16="http://schemas.microsoft.com/office/drawing/2014/main" id="{B06156B4-3F0F-99DD-0A46-05762913EA48}"/>
+                <a16:creationId xmlns:a16="http://schemas.microsoft.com/office/drawing/2014/main" id="{1E678F9C-3895-A29D-E3DA-8A72A34A63CF}"/>
               </a:ext>
             </a:extLst>
           </p:cNvPr>
@@ -856,7 +856,7 @@
           <a:bodyPr/>
           <a:lstStyle/>
           <a:p>
-            <a:fld id="{1646E971-C812-44D9-A507-7F5B4748B41B}" type="datetimeFigureOut">
+            <a:fld id="{9275C36A-8011-4276-967A-8BDE6E01EBEB}" type="datetimeFigureOut">
               <a:rPr lang="zh-CN" altLang="en-US" smtClean="0"/>
               <a:t>2024/3/10</a:t>
             </a:fld>
@@ -869,7 +869,7 @@
           <p:cNvPr id="5" name="页脚占位符 4">
             <a:extLst>
               <a:ext uri="{FF2B5EF4-FFF2-40B4-BE49-F238E27FC236}">
-                <a16:creationId xmlns:a16="http://schemas.microsoft.com/office/drawing/2014/main" id="{B2679BB9-0D6F-C8D4-3F3E-CC60E6128FD0}"/>
+                <a16:creationId xmlns:a16="http://schemas.microsoft.com/office/drawing/2014/main" id="{23114886-6A72-02B3-A5D2-2E0E86AACB11}"/>
               </a:ext>
             </a:extLst>
           </p:cNvPr>
@@ -894,7 +894,7 @@
           <p:cNvPr id="6" name="灯片编号占位符 5">
             <a:extLst>
               <a:ext uri="{FF2B5EF4-FFF2-40B4-BE49-F238E27FC236}">
-                <a16:creationId xmlns:a16="http://schemas.microsoft.com/office/drawing/2014/main" id="{68ED2DA9-022D-98B0-34E4-91AD75F4ADBC}"/>
+                <a16:creationId xmlns:a16="http://schemas.microsoft.com/office/drawing/2014/main" id="{26F6D4F7-17C1-5ECE-D848-6C138DB847C4}"/>
               </a:ext>
             </a:extLst>
           </p:cNvPr>
@@ -910,7 +910,7 @@
           <a:bodyPr/>
           <a:lstStyle/>
           <a:p>
-            <a:fld id="{F9B21A13-4345-43FF-9140-3AB183743428}" type="slidenum">
+            <a:fld id="{4FF1695A-15C8-4038-B894-7EFE99B01AE0}" type="slidenum">
               <a:rPr lang="zh-CN" altLang="en-US" smtClean="0"/>
               <a:t>‹#›</a:t>
             </a:fld>
@@ -921,7 +921,7 @@
     </p:spTree>
     <p:extLst>
       <p:ext uri="{BB962C8B-B14F-4D97-AF65-F5344CB8AC3E}">
-        <p14:creationId xmlns:p14="http://schemas.microsoft.com/office/powerpoint/2010/main" val="661247715"/>
+        <p14:creationId xmlns:p14="http://schemas.microsoft.com/office/powerpoint/2010/main" val="1672795127"/>
       </p:ext>
     </p:extLst>
   </p:cSld>
@@ -953,7 +953,7 @@
           <p:cNvPr id="2" name="标题 1">
             <a:extLst>
               <a:ext uri="{FF2B5EF4-FFF2-40B4-BE49-F238E27FC236}">
-                <a16:creationId xmlns:a16="http://schemas.microsoft.com/office/drawing/2014/main" id="{158AC534-3FBD-DEB8-2774-926550F6D876}"/>
+                <a16:creationId xmlns:a16="http://schemas.microsoft.com/office/drawing/2014/main" id="{75CFDCB2-D9AC-B088-8510-E2EC3949CF5C}"/>
               </a:ext>
             </a:extLst>
           </p:cNvPr>
@@ -990,7 +990,7 @@
           <p:cNvPr id="3" name="文本占位符 2">
             <a:extLst>
               <a:ext uri="{FF2B5EF4-FFF2-40B4-BE49-F238E27FC236}">
-                <a16:creationId xmlns:a16="http://schemas.microsoft.com/office/drawing/2014/main" id="{6CE2F302-3BFD-402A-8490-C0C483D26F97}"/>
+                <a16:creationId xmlns:a16="http://schemas.microsoft.com/office/drawing/2014/main" id="{3703A1FD-CBD9-C898-9334-918460C15820}"/>
               </a:ext>
             </a:extLst>
           </p:cNvPr>
@@ -1115,7 +1115,7 @@
           <p:cNvPr id="4" name="日期占位符 3">
             <a:extLst>
               <a:ext uri="{FF2B5EF4-FFF2-40B4-BE49-F238E27FC236}">
-                <a16:creationId xmlns:a16="http://schemas.microsoft.com/office/drawing/2014/main" id="{B7DC873A-43A0-29D2-E968-BCFB882B5CE3}"/>
+                <a16:creationId xmlns:a16="http://schemas.microsoft.com/office/drawing/2014/main" id="{976EB744-23EB-3104-D5AB-CD9CDE1E30BC}"/>
               </a:ext>
             </a:extLst>
           </p:cNvPr>
@@ -1131,7 +1131,7 @@
           <a:bodyPr/>
           <a:lstStyle/>
           <a:p>
-            <a:fld id="{1646E971-C812-44D9-A507-7F5B4748B41B}" type="datetimeFigureOut">
+            <a:fld id="{9275C36A-8011-4276-967A-8BDE6E01EBEB}" type="datetimeFigureOut">
               <a:rPr lang="zh-CN" altLang="en-US" smtClean="0"/>
               <a:t>2024/3/10</a:t>
             </a:fld>
@@ -1144,7 +1144,7 @@
           <p:cNvPr id="5" name="页脚占位符 4">
             <a:extLst>
               <a:ext uri="{FF2B5EF4-FFF2-40B4-BE49-F238E27FC236}">
-                <a16:creationId xmlns:a16="http://schemas.microsoft.com/office/drawing/2014/main" id="{E5D248A3-912C-6550-12F6-7FBFBB2125DA}"/>
+                <a16:creationId xmlns:a16="http://schemas.microsoft.com/office/drawing/2014/main" id="{C3C0B7AA-2DEF-7D9E-EBBB-0236F5A5F9B4}"/>
               </a:ext>
             </a:extLst>
           </p:cNvPr>
@@ -1169,7 +1169,7 @@
           <p:cNvPr id="6" name="灯片编号占位符 5">
             <a:extLst>
               <a:ext uri="{FF2B5EF4-FFF2-40B4-BE49-F238E27FC236}">
-                <a16:creationId xmlns:a16="http://schemas.microsoft.com/office/drawing/2014/main" id="{20871E97-820C-2F67-42EF-B49443274F5C}"/>
+                <a16:creationId xmlns:a16="http://schemas.microsoft.com/office/drawing/2014/main" id="{A75DBFC1-E201-6631-5BA0-409E3F683BF8}"/>
               </a:ext>
             </a:extLst>
           </p:cNvPr>
@@ -1185,7 +1185,7 @@
           <a:bodyPr/>
           <a:lstStyle/>
           <a:p>
-            <a:fld id="{F9B21A13-4345-43FF-9140-3AB183743428}" type="slidenum">
+            <a:fld id="{4FF1695A-15C8-4038-B894-7EFE99B01AE0}" type="slidenum">
               <a:rPr lang="zh-CN" altLang="en-US" smtClean="0"/>
               <a:t>‹#›</a:t>
             </a:fld>
@@ -1196,7 +1196,7 @@
     </p:spTree>
     <p:extLst>
       <p:ext uri="{BB962C8B-B14F-4D97-AF65-F5344CB8AC3E}">
-        <p14:creationId xmlns:p14="http://schemas.microsoft.com/office/powerpoint/2010/main" val="1853004474"/>
+        <p14:creationId xmlns:p14="http://schemas.microsoft.com/office/powerpoint/2010/main" val="269501687"/>
       </p:ext>
     </p:extLst>
   </p:cSld>
@@ -1228,7 +1228,7 @@
           <p:cNvPr id="2" name="标题 1">
             <a:extLst>
               <a:ext uri="{FF2B5EF4-FFF2-40B4-BE49-F238E27FC236}">
-                <a16:creationId xmlns:a16="http://schemas.microsoft.com/office/drawing/2014/main" id="{1AB696F8-9BF7-EE74-B8D0-978753EC780A}"/>
+                <a16:creationId xmlns:a16="http://schemas.microsoft.com/office/drawing/2014/main" id="{EA9C5582-46A4-FCEF-C9D9-75E3E07E4065}"/>
               </a:ext>
             </a:extLst>
           </p:cNvPr>
@@ -1256,7 +1256,7 @@
           <p:cNvPr id="3" name="内容占位符 2">
             <a:extLst>
               <a:ext uri="{FF2B5EF4-FFF2-40B4-BE49-F238E27FC236}">
-                <a16:creationId xmlns:a16="http://schemas.microsoft.com/office/drawing/2014/main" id="{BD938D94-9039-8664-85FA-132FC77F020C}"/>
+                <a16:creationId xmlns:a16="http://schemas.microsoft.com/office/drawing/2014/main" id="{B3B1C749-536D-744D-D115-A83AA3DFD081}"/>
               </a:ext>
             </a:extLst>
           </p:cNvPr>
@@ -1318,7 +1318,7 @@
           <p:cNvPr id="4" name="内容占位符 3">
             <a:extLst>
               <a:ext uri="{FF2B5EF4-FFF2-40B4-BE49-F238E27FC236}">
-                <a16:creationId xmlns:a16="http://schemas.microsoft.com/office/drawing/2014/main" id="{391C6911-16DB-6B4E-01FA-475396AFFA66}"/>
+                <a16:creationId xmlns:a16="http://schemas.microsoft.com/office/drawing/2014/main" id="{32E173AC-B73E-27F3-7A92-FE13C14618F3}"/>
               </a:ext>
             </a:extLst>
           </p:cNvPr>
@@ -1380,7 +1380,7 @@
           <p:cNvPr id="5" name="日期占位符 4">
             <a:extLst>
               <a:ext uri="{FF2B5EF4-FFF2-40B4-BE49-F238E27FC236}">
-                <a16:creationId xmlns:a16="http://schemas.microsoft.com/office/drawing/2014/main" id="{364469C3-1648-C5CC-1B62-F3C47789B9FA}"/>
+                <a16:creationId xmlns:a16="http://schemas.microsoft.com/office/drawing/2014/main" id="{74285F5D-DB8E-5E30-8ACA-76FCEA783D30}"/>
               </a:ext>
             </a:extLst>
           </p:cNvPr>
@@ -1396,7 +1396,7 @@
           <a:bodyPr/>
           <a:lstStyle/>
           <a:p>
-            <a:fld id="{1646E971-C812-44D9-A507-7F5B4748B41B}" type="datetimeFigureOut">
+            <a:fld id="{9275C36A-8011-4276-967A-8BDE6E01EBEB}" type="datetimeFigureOut">
               <a:rPr lang="zh-CN" altLang="en-US" smtClean="0"/>
               <a:t>2024/3/10</a:t>
             </a:fld>
@@ -1409,7 +1409,7 @@
           <p:cNvPr id="6" name="页脚占位符 5">
             <a:extLst>
               <a:ext uri="{FF2B5EF4-FFF2-40B4-BE49-F238E27FC236}">
-                <a16:creationId xmlns:a16="http://schemas.microsoft.com/office/drawing/2014/main" id="{42008C8B-537E-A1E2-6958-94635EC54B17}"/>
+                <a16:creationId xmlns:a16="http://schemas.microsoft.com/office/drawing/2014/main" id="{5816ECDC-EF91-A50D-930A-485D0CFE48B1}"/>
               </a:ext>
             </a:extLst>
           </p:cNvPr>
@@ -1434,7 +1434,7 @@
           <p:cNvPr id="7" name="灯片编号占位符 6">
             <a:extLst>
               <a:ext uri="{FF2B5EF4-FFF2-40B4-BE49-F238E27FC236}">
-                <a16:creationId xmlns:a16="http://schemas.microsoft.com/office/drawing/2014/main" id="{3A3DE8BB-9211-0A83-978E-2A2FE5AC3277}"/>
+                <a16:creationId xmlns:a16="http://schemas.microsoft.com/office/drawing/2014/main" id="{F1B410E4-BDCB-4109-DCA8-290B7E61E27A}"/>
               </a:ext>
             </a:extLst>
           </p:cNvPr>
@@ -1450,7 +1450,7 @@
           <a:bodyPr/>
           <a:lstStyle/>
           <a:p>
-            <a:fld id="{F9B21A13-4345-43FF-9140-3AB183743428}" type="slidenum">
+            <a:fld id="{4FF1695A-15C8-4038-B894-7EFE99B01AE0}" type="slidenum">
               <a:rPr lang="zh-CN" altLang="en-US" smtClean="0"/>
               <a:t>‹#›</a:t>
             </a:fld>
@@ -1461,7 +1461,7 @@
     </p:spTree>
     <p:extLst>
       <p:ext uri="{BB962C8B-B14F-4D97-AF65-F5344CB8AC3E}">
-        <p14:creationId xmlns:p14="http://schemas.microsoft.com/office/powerpoint/2010/main" val="2957197282"/>
+        <p14:creationId xmlns:p14="http://schemas.microsoft.com/office/powerpoint/2010/main" val="941558858"/>
       </p:ext>
     </p:extLst>
   </p:cSld>
@@ -1493,7 +1493,7 @@
           <p:cNvPr id="2" name="标题 1">
             <a:extLst>
               <a:ext uri="{FF2B5EF4-FFF2-40B4-BE49-F238E27FC236}">
-                <a16:creationId xmlns:a16="http://schemas.microsoft.com/office/drawing/2014/main" id="{642A81E3-D498-A4C1-0B7B-AD2DB617227C}"/>
+                <a16:creationId xmlns:a16="http://schemas.microsoft.com/office/drawing/2014/main" id="{D5D2C96E-A29A-51CE-4CB8-254CC8FEA7B3}"/>
               </a:ext>
             </a:extLst>
           </p:cNvPr>
@@ -1526,7 +1526,7 @@
           <p:cNvPr id="3" name="文本占位符 2">
             <a:extLst>
               <a:ext uri="{FF2B5EF4-FFF2-40B4-BE49-F238E27FC236}">
-                <a16:creationId xmlns:a16="http://schemas.microsoft.com/office/drawing/2014/main" id="{41A48DBC-4A0C-6AB6-0E6D-BA57BD521884}"/>
+                <a16:creationId xmlns:a16="http://schemas.microsoft.com/office/drawing/2014/main" id="{24BEED66-D52F-CE77-06BD-2C18ECB03947}"/>
               </a:ext>
             </a:extLst>
           </p:cNvPr>
@@ -1597,7 +1597,7 @@
           <p:cNvPr id="4" name="内容占位符 3">
             <a:extLst>
               <a:ext uri="{FF2B5EF4-FFF2-40B4-BE49-F238E27FC236}">
-                <a16:creationId xmlns:a16="http://schemas.microsoft.com/office/drawing/2014/main" id="{54FE8F59-B88B-E7EE-A018-B33AB63CE302}"/>
+                <a16:creationId xmlns:a16="http://schemas.microsoft.com/office/drawing/2014/main" id="{85F425C1-9521-A9B1-B09A-B518F3B45123}"/>
               </a:ext>
             </a:extLst>
           </p:cNvPr>
@@ -1659,7 +1659,7 @@
           <p:cNvPr id="5" name="文本占位符 4">
             <a:extLst>
               <a:ext uri="{FF2B5EF4-FFF2-40B4-BE49-F238E27FC236}">
-                <a16:creationId xmlns:a16="http://schemas.microsoft.com/office/drawing/2014/main" id="{AE1CF11E-A6D2-57F8-9310-DB15D12A1A45}"/>
+                <a16:creationId xmlns:a16="http://schemas.microsoft.com/office/drawing/2014/main" id="{3B65CFB6-DBDC-90F6-2C90-48C1E599AF7C}"/>
               </a:ext>
             </a:extLst>
           </p:cNvPr>
@@ -1730,7 +1730,7 @@
           <p:cNvPr id="6" name="内容占位符 5">
             <a:extLst>
               <a:ext uri="{FF2B5EF4-FFF2-40B4-BE49-F238E27FC236}">
-                <a16:creationId xmlns:a16="http://schemas.microsoft.com/office/drawing/2014/main" id="{3567DD49-C967-EE0C-7E50-C5AC9874513A}"/>
+                <a16:creationId xmlns:a16="http://schemas.microsoft.com/office/drawing/2014/main" id="{8B946F77-B1FF-805C-0730-1766B63931E3}"/>
               </a:ext>
             </a:extLst>
           </p:cNvPr>
@@ -1792,7 +1792,7 @@
           <p:cNvPr id="7" name="日期占位符 6">
             <a:extLst>
               <a:ext uri="{FF2B5EF4-FFF2-40B4-BE49-F238E27FC236}">
-                <a16:creationId xmlns:a16="http://schemas.microsoft.com/office/drawing/2014/main" id="{CDC5A4BE-F020-1EB0-4337-50A8363E5EA3}"/>
+                <a16:creationId xmlns:a16="http://schemas.microsoft.com/office/drawing/2014/main" id="{CA46DD5D-730C-5A3F-09DB-BA9F38452CB9}"/>
               </a:ext>
             </a:extLst>
           </p:cNvPr>
@@ -1808,7 +1808,7 @@
           <a:bodyPr/>
           <a:lstStyle/>
           <a:p>
-            <a:fld id="{1646E971-C812-44D9-A507-7F5B4748B41B}" type="datetimeFigureOut">
+            <a:fld id="{9275C36A-8011-4276-967A-8BDE6E01EBEB}" type="datetimeFigureOut">
               <a:rPr lang="zh-CN" altLang="en-US" smtClean="0"/>
               <a:t>2024/3/10</a:t>
             </a:fld>
@@ -1821,7 +1821,7 @@
           <p:cNvPr id="8" name="页脚占位符 7">
             <a:extLst>
               <a:ext uri="{FF2B5EF4-FFF2-40B4-BE49-F238E27FC236}">
-                <a16:creationId xmlns:a16="http://schemas.microsoft.com/office/drawing/2014/main" id="{CE6E5B02-6CCE-C0F3-D1DB-0C598BE4D261}"/>
+                <a16:creationId xmlns:a16="http://schemas.microsoft.com/office/drawing/2014/main" id="{95967A6C-0F42-3499-5FC3-2EFC0597CAA9}"/>
               </a:ext>
             </a:extLst>
           </p:cNvPr>
@@ -1846,7 +1846,7 @@
           <p:cNvPr id="9" name="灯片编号占位符 8">
             <a:extLst>
               <a:ext uri="{FF2B5EF4-FFF2-40B4-BE49-F238E27FC236}">
-                <a16:creationId xmlns:a16="http://schemas.microsoft.com/office/drawing/2014/main" id="{934EA1E1-626E-E3B4-5839-6926BB267DD6}"/>
+                <a16:creationId xmlns:a16="http://schemas.microsoft.com/office/drawing/2014/main" id="{A36D098E-1E7C-ABE7-180F-D8D4266411BC}"/>
               </a:ext>
             </a:extLst>
           </p:cNvPr>
@@ -1862,7 +1862,7 @@
           <a:bodyPr/>
           <a:lstStyle/>
           <a:p>
-            <a:fld id="{F9B21A13-4345-43FF-9140-3AB183743428}" type="slidenum">
+            <a:fld id="{4FF1695A-15C8-4038-B894-7EFE99B01AE0}" type="slidenum">
               <a:rPr lang="zh-CN" altLang="en-US" smtClean="0"/>
               <a:t>‹#›</a:t>
             </a:fld>
@@ -1873,7 +1873,7 @@
     </p:spTree>
     <p:extLst>
       <p:ext uri="{BB962C8B-B14F-4D97-AF65-F5344CB8AC3E}">
-        <p14:creationId xmlns:p14="http://schemas.microsoft.com/office/powerpoint/2010/main" val="2733891152"/>
+        <p14:creationId xmlns:p14="http://schemas.microsoft.com/office/powerpoint/2010/main" val="1477200373"/>
       </p:ext>
     </p:extLst>
   </p:cSld>
@@ -1905,7 +1905,7 @@
           <p:cNvPr id="2" name="标题 1">
             <a:extLst>
               <a:ext uri="{FF2B5EF4-FFF2-40B4-BE49-F238E27FC236}">
-                <a16:creationId xmlns:a16="http://schemas.microsoft.com/office/drawing/2014/main" id="{AF489239-CEC8-BBBA-ED57-F01AAE6F7C61}"/>
+                <a16:creationId xmlns:a16="http://schemas.microsoft.com/office/drawing/2014/main" id="{D06FDB62-3A3D-4300-7B8B-E9C38021AFBA}"/>
               </a:ext>
             </a:extLst>
           </p:cNvPr>
@@ -1933,7 +1933,7 @@
           <p:cNvPr id="3" name="日期占位符 2">
             <a:extLst>
               <a:ext uri="{FF2B5EF4-FFF2-40B4-BE49-F238E27FC236}">
-                <a16:creationId xmlns:a16="http://schemas.microsoft.com/office/drawing/2014/main" id="{300663D4-9650-9539-7A2A-0417E0901EAB}"/>
+                <a16:creationId xmlns:a16="http://schemas.microsoft.com/office/drawing/2014/main" id="{15204829-E528-F730-AB02-031CFF435EA9}"/>
               </a:ext>
             </a:extLst>
           </p:cNvPr>
@@ -1949,7 +1949,7 @@
           <a:bodyPr/>
           <a:lstStyle/>
           <a:p>
-            <a:fld id="{1646E971-C812-44D9-A507-7F5B4748B41B}" type="datetimeFigureOut">
+            <a:fld id="{9275C36A-8011-4276-967A-8BDE6E01EBEB}" type="datetimeFigureOut">
               <a:rPr lang="zh-CN" altLang="en-US" smtClean="0"/>
               <a:t>2024/3/10</a:t>
             </a:fld>
@@ -1962,7 +1962,7 @@
           <p:cNvPr id="4" name="页脚占位符 3">
             <a:extLst>
               <a:ext uri="{FF2B5EF4-FFF2-40B4-BE49-F238E27FC236}">
-                <a16:creationId xmlns:a16="http://schemas.microsoft.com/office/drawing/2014/main" id="{A73C67FB-0C28-0096-59F7-6AB009FB28BC}"/>
+                <a16:creationId xmlns:a16="http://schemas.microsoft.com/office/drawing/2014/main" id="{5F340C27-841B-C070-7E7D-35FAD623BC3F}"/>
               </a:ext>
             </a:extLst>
           </p:cNvPr>
@@ -1987,7 +1987,7 @@
           <p:cNvPr id="5" name="灯片编号占位符 4">
             <a:extLst>
               <a:ext uri="{FF2B5EF4-FFF2-40B4-BE49-F238E27FC236}">
-                <a16:creationId xmlns:a16="http://schemas.microsoft.com/office/drawing/2014/main" id="{FE62F37B-65FA-AA98-5705-969BBD7318E0}"/>
+                <a16:creationId xmlns:a16="http://schemas.microsoft.com/office/drawing/2014/main" id="{E3D0B123-AFA0-649A-67B3-F9987EA2C23F}"/>
               </a:ext>
             </a:extLst>
           </p:cNvPr>
@@ -2003,7 +2003,7 @@
           <a:bodyPr/>
           <a:lstStyle/>
           <a:p>
-            <a:fld id="{F9B21A13-4345-43FF-9140-3AB183743428}" type="slidenum">
+            <a:fld id="{4FF1695A-15C8-4038-B894-7EFE99B01AE0}" type="slidenum">
               <a:rPr lang="zh-CN" altLang="en-US" smtClean="0"/>
               <a:t>‹#›</a:t>
             </a:fld>
@@ -2014,7 +2014,7 @@
     </p:spTree>
     <p:extLst>
       <p:ext uri="{BB962C8B-B14F-4D97-AF65-F5344CB8AC3E}">
-        <p14:creationId xmlns:p14="http://schemas.microsoft.com/office/powerpoint/2010/main" val="1986811619"/>
+        <p14:creationId xmlns:p14="http://schemas.microsoft.com/office/powerpoint/2010/main" val="2744526306"/>
       </p:ext>
     </p:extLst>
   </p:cSld>
@@ -2046,7 +2046,7 @@
           <p:cNvPr id="2" name="日期占位符 1">
             <a:extLst>
               <a:ext uri="{FF2B5EF4-FFF2-40B4-BE49-F238E27FC236}">
-                <a16:creationId xmlns:a16="http://schemas.microsoft.com/office/drawing/2014/main" id="{3437E3E0-4E37-55CD-59C1-16B29E24029C}"/>
+                <a16:creationId xmlns:a16="http://schemas.microsoft.com/office/drawing/2014/main" id="{75B33CB0-8940-2441-290A-7E3AF017A7F2}"/>
               </a:ext>
             </a:extLst>
           </p:cNvPr>
@@ -2062,7 +2062,7 @@
           <a:bodyPr/>
           <a:lstStyle/>
           <a:p>
-            <a:fld id="{1646E971-C812-44D9-A507-7F5B4748B41B}" type="datetimeFigureOut">
+            <a:fld id="{9275C36A-8011-4276-967A-8BDE6E01EBEB}" type="datetimeFigureOut">
               <a:rPr lang="zh-CN" altLang="en-US" smtClean="0"/>
               <a:t>2024/3/10</a:t>
             </a:fld>
@@ -2075,7 +2075,7 @@
           <p:cNvPr id="3" name="页脚占位符 2">
             <a:extLst>
               <a:ext uri="{FF2B5EF4-FFF2-40B4-BE49-F238E27FC236}">
-                <a16:creationId xmlns:a16="http://schemas.microsoft.com/office/drawing/2014/main" id="{12AC89F4-CAA9-61C5-339B-698B2F2C5FE8}"/>
+                <a16:creationId xmlns:a16="http://schemas.microsoft.com/office/drawing/2014/main" id="{00D09C4E-B155-EF07-4AD2-2288D881E5A6}"/>
               </a:ext>
             </a:extLst>
           </p:cNvPr>
@@ -2100,7 +2100,7 @@
           <p:cNvPr id="4" name="灯片编号占位符 3">
             <a:extLst>
               <a:ext uri="{FF2B5EF4-FFF2-40B4-BE49-F238E27FC236}">
-                <a16:creationId xmlns:a16="http://schemas.microsoft.com/office/drawing/2014/main" id="{CB33ED4D-6238-D96F-05CD-47D43B37F6E5}"/>
+                <a16:creationId xmlns:a16="http://schemas.microsoft.com/office/drawing/2014/main" id="{13E2A7B4-8E5A-EABB-A115-DD3F0829DB33}"/>
               </a:ext>
             </a:extLst>
           </p:cNvPr>
@@ -2116,7 +2116,7 @@
           <a:bodyPr/>
           <a:lstStyle/>
           <a:p>
-            <a:fld id="{F9B21A13-4345-43FF-9140-3AB183743428}" type="slidenum">
+            <a:fld id="{4FF1695A-15C8-4038-B894-7EFE99B01AE0}" type="slidenum">
               <a:rPr lang="zh-CN" altLang="en-US" smtClean="0"/>
               <a:t>‹#›</a:t>
             </a:fld>
@@ -2127,7 +2127,7 @@
     </p:spTree>
     <p:extLst>
       <p:ext uri="{BB962C8B-B14F-4D97-AF65-F5344CB8AC3E}">
-        <p14:creationId xmlns:p14="http://schemas.microsoft.com/office/powerpoint/2010/main" val="3056984504"/>
+        <p14:creationId xmlns:p14="http://schemas.microsoft.com/office/powerpoint/2010/main" val="1403340734"/>
       </p:ext>
     </p:extLst>
   </p:cSld>
@@ -2159,7 +2159,7 @@
           <p:cNvPr id="2" name="标题 1">
             <a:extLst>
               <a:ext uri="{FF2B5EF4-FFF2-40B4-BE49-F238E27FC236}">
-                <a16:creationId xmlns:a16="http://schemas.microsoft.com/office/drawing/2014/main" id="{E1321B0F-E772-973D-D244-A404C48D0BB6}"/>
+                <a16:creationId xmlns:a16="http://schemas.microsoft.com/office/drawing/2014/main" id="{C454F291-3096-2958-4B5D-68FDD0B56EAB}"/>
               </a:ext>
             </a:extLst>
           </p:cNvPr>
@@ -2196,7 +2196,7 @@
           <p:cNvPr id="3" name="内容占位符 2">
             <a:extLst>
               <a:ext uri="{FF2B5EF4-FFF2-40B4-BE49-F238E27FC236}">
-                <a16:creationId xmlns:a16="http://schemas.microsoft.com/office/drawing/2014/main" id="{992F1FDF-046C-ED39-0119-D9A279376FC7}"/>
+                <a16:creationId xmlns:a16="http://schemas.microsoft.com/office/drawing/2014/main" id="{D780507C-F04D-481D-7D43-A15E50328895}"/>
               </a:ext>
             </a:extLst>
           </p:cNvPr>
@@ -2286,7 +2286,7 @@
           <p:cNvPr id="4" name="文本占位符 3">
             <a:extLst>
               <a:ext uri="{FF2B5EF4-FFF2-40B4-BE49-F238E27FC236}">
-                <a16:creationId xmlns:a16="http://schemas.microsoft.com/office/drawing/2014/main" id="{91B5177B-8FF8-1CA9-A236-108046F52411}"/>
+                <a16:creationId xmlns:a16="http://schemas.microsoft.com/office/drawing/2014/main" id="{36A600F8-A4FD-94EC-2F2A-FC0BC021BC7C}"/>
               </a:ext>
             </a:extLst>
           </p:cNvPr>
@@ -2357,7 +2357,7 @@
           <p:cNvPr id="5" name="日期占位符 4">
             <a:extLst>
               <a:ext uri="{FF2B5EF4-FFF2-40B4-BE49-F238E27FC236}">
-                <a16:creationId xmlns:a16="http://schemas.microsoft.com/office/drawing/2014/main" id="{D5478390-EAA3-616F-6BAA-AE0BA7FC25C8}"/>
+                <a16:creationId xmlns:a16="http://schemas.microsoft.com/office/drawing/2014/main" id="{08D918F2-213A-D2ED-5997-E77440BA0519}"/>
               </a:ext>
             </a:extLst>
           </p:cNvPr>
@@ -2373,7 +2373,7 @@
           <a:bodyPr/>
           <a:lstStyle/>
           <a:p>
-            <a:fld id="{1646E971-C812-44D9-A507-7F5B4748B41B}" type="datetimeFigureOut">
+            <a:fld id="{9275C36A-8011-4276-967A-8BDE6E01EBEB}" type="datetimeFigureOut">
               <a:rPr lang="zh-CN" altLang="en-US" smtClean="0"/>
               <a:t>2024/3/10</a:t>
             </a:fld>
@@ -2386,7 +2386,7 @@
           <p:cNvPr id="6" name="页脚占位符 5">
             <a:extLst>
               <a:ext uri="{FF2B5EF4-FFF2-40B4-BE49-F238E27FC236}">
-                <a16:creationId xmlns:a16="http://schemas.microsoft.com/office/drawing/2014/main" id="{37609660-59F6-FDF5-2018-541A630DD44D}"/>
+                <a16:creationId xmlns:a16="http://schemas.microsoft.com/office/drawing/2014/main" id="{6B5F31C1-2483-34E6-14A9-B0F598483AA5}"/>
               </a:ext>
             </a:extLst>
           </p:cNvPr>
@@ -2411,7 +2411,7 @@
           <p:cNvPr id="7" name="灯片编号占位符 6">
             <a:extLst>
               <a:ext uri="{FF2B5EF4-FFF2-40B4-BE49-F238E27FC236}">
-                <a16:creationId xmlns:a16="http://schemas.microsoft.com/office/drawing/2014/main" id="{C4B12CA6-4FF2-3A32-1D20-C571DBDA5BF7}"/>
+                <a16:creationId xmlns:a16="http://schemas.microsoft.com/office/drawing/2014/main" id="{470B62E6-3D9E-6B00-E54D-43BCF32B62AA}"/>
               </a:ext>
             </a:extLst>
           </p:cNvPr>
@@ -2427,7 +2427,7 @@
           <a:bodyPr/>
           <a:lstStyle/>
           <a:p>
-            <a:fld id="{F9B21A13-4345-43FF-9140-3AB183743428}" type="slidenum">
+            <a:fld id="{4FF1695A-15C8-4038-B894-7EFE99B01AE0}" type="slidenum">
               <a:rPr lang="zh-CN" altLang="en-US" smtClean="0"/>
               <a:t>‹#›</a:t>
             </a:fld>
@@ -2438,7 +2438,7 @@
     </p:spTree>
     <p:extLst>
       <p:ext uri="{BB962C8B-B14F-4D97-AF65-F5344CB8AC3E}">
-        <p14:creationId xmlns:p14="http://schemas.microsoft.com/office/powerpoint/2010/main" val="1737094134"/>
+        <p14:creationId xmlns:p14="http://schemas.microsoft.com/office/powerpoint/2010/main" val="3025411637"/>
       </p:ext>
     </p:extLst>
   </p:cSld>
@@ -2470,7 +2470,7 @@
           <p:cNvPr id="2" name="标题 1">
             <a:extLst>
               <a:ext uri="{FF2B5EF4-FFF2-40B4-BE49-F238E27FC236}">
-                <a16:creationId xmlns:a16="http://schemas.microsoft.com/office/drawing/2014/main" id="{7BCD591E-076A-0049-663F-2C76D0451571}"/>
+                <a16:creationId xmlns:a16="http://schemas.microsoft.com/office/drawing/2014/main" id="{D1DC7D08-82A6-5CF2-F111-6168382D5B12}"/>
               </a:ext>
             </a:extLst>
           </p:cNvPr>
@@ -2507,7 +2507,7 @@
           <p:cNvPr id="3" name="图片占位符 2">
             <a:extLst>
               <a:ext uri="{FF2B5EF4-FFF2-40B4-BE49-F238E27FC236}">
-                <a16:creationId xmlns:a16="http://schemas.microsoft.com/office/drawing/2014/main" id="{32B2FA71-F049-B46F-77F9-48EDE99AE808}"/>
+                <a16:creationId xmlns:a16="http://schemas.microsoft.com/office/drawing/2014/main" id="{96569387-045D-961F-6873-FF6CA17B802B}"/>
               </a:ext>
             </a:extLst>
           </p:cNvPr>
@@ -2574,7 +2574,7 @@
           <p:cNvPr id="4" name="文本占位符 3">
             <a:extLst>
               <a:ext uri="{FF2B5EF4-FFF2-40B4-BE49-F238E27FC236}">
-                <a16:creationId xmlns:a16="http://schemas.microsoft.com/office/drawing/2014/main" id="{8AC727E9-C6BA-3D05-71E9-3A867577F671}"/>
+                <a16:creationId xmlns:a16="http://schemas.microsoft.com/office/drawing/2014/main" id="{25A4AB67-FB31-888E-801C-41449C55FEA0}"/>
               </a:ext>
             </a:extLst>
           </p:cNvPr>
@@ -2645,7 +2645,7 @@
           <p:cNvPr id="5" name="日期占位符 4">
             <a:extLst>
               <a:ext uri="{FF2B5EF4-FFF2-40B4-BE49-F238E27FC236}">
-                <a16:creationId xmlns:a16="http://schemas.microsoft.com/office/drawing/2014/main" id="{4B25ACB9-A933-F2D5-5744-F3BDF7889C3F}"/>
+                <a16:creationId xmlns:a16="http://schemas.microsoft.com/office/drawing/2014/main" id="{08DB88B8-0A1B-503D-BE9C-B694F164D709}"/>
               </a:ext>
             </a:extLst>
           </p:cNvPr>
@@ -2661,7 +2661,7 @@
           <a:bodyPr/>
           <a:lstStyle/>
           <a:p>
-            <a:fld id="{1646E971-C812-44D9-A507-7F5B4748B41B}" type="datetimeFigureOut">
+            <a:fld id="{9275C36A-8011-4276-967A-8BDE6E01EBEB}" type="datetimeFigureOut">
               <a:rPr lang="zh-CN" altLang="en-US" smtClean="0"/>
               <a:t>2024/3/10</a:t>
             </a:fld>
@@ -2674,7 +2674,7 @@
           <p:cNvPr id="6" name="页脚占位符 5">
             <a:extLst>
               <a:ext uri="{FF2B5EF4-FFF2-40B4-BE49-F238E27FC236}">
-                <a16:creationId xmlns:a16="http://schemas.microsoft.com/office/drawing/2014/main" id="{33E0AE41-618A-C55F-7A84-9B99B6B87525}"/>
+                <a16:creationId xmlns:a16="http://schemas.microsoft.com/office/drawing/2014/main" id="{3AF8DD6B-5283-57B8-7775-93DB47931615}"/>
               </a:ext>
             </a:extLst>
           </p:cNvPr>
@@ -2699,7 +2699,7 @@
           <p:cNvPr id="7" name="灯片编号占位符 6">
             <a:extLst>
               <a:ext uri="{FF2B5EF4-FFF2-40B4-BE49-F238E27FC236}">
-                <a16:creationId xmlns:a16="http://schemas.microsoft.com/office/drawing/2014/main" id="{3AF76CEB-448D-9761-52F7-3BBF77E76352}"/>
+                <a16:creationId xmlns:a16="http://schemas.microsoft.com/office/drawing/2014/main" id="{48ACBF71-13F5-FB5C-F19C-C0047EAD3180}"/>
               </a:ext>
             </a:extLst>
           </p:cNvPr>
@@ -2715,7 +2715,7 @@
           <a:bodyPr/>
           <a:lstStyle/>
           <a:p>
-            <a:fld id="{F9B21A13-4345-43FF-9140-3AB183743428}" type="slidenum">
+            <a:fld id="{4FF1695A-15C8-4038-B894-7EFE99B01AE0}" type="slidenum">
               <a:rPr lang="zh-CN" altLang="en-US" smtClean="0"/>
               <a:t>‹#›</a:t>
             </a:fld>
@@ -2726,7 +2726,7 @@
     </p:spTree>
     <p:extLst>
       <p:ext uri="{BB962C8B-B14F-4D97-AF65-F5344CB8AC3E}">
-        <p14:creationId xmlns:p14="http://schemas.microsoft.com/office/powerpoint/2010/main" val="2567953203"/>
+        <p14:creationId xmlns:p14="http://schemas.microsoft.com/office/powerpoint/2010/main" val="1730772969"/>
       </p:ext>
     </p:extLst>
   </p:cSld>
@@ -2763,7 +2763,7 @@
           <p:cNvPr id="2" name="标题占位符 1">
             <a:extLst>
               <a:ext uri="{FF2B5EF4-FFF2-40B4-BE49-F238E27FC236}">
-                <a16:creationId xmlns:a16="http://schemas.microsoft.com/office/drawing/2014/main" id="{D1349662-FCE4-3E6A-8B68-4F19D94C42E8}"/>
+                <a16:creationId xmlns:a16="http://schemas.microsoft.com/office/drawing/2014/main" id="{600D769E-D2C6-718B-65A0-E09B05531158}"/>
               </a:ext>
             </a:extLst>
           </p:cNvPr>
@@ -2801,7 +2801,7 @@
           <p:cNvPr id="3" name="文本占位符 2">
             <a:extLst>
               <a:ext uri="{FF2B5EF4-FFF2-40B4-BE49-F238E27FC236}">
-                <a16:creationId xmlns:a16="http://schemas.microsoft.com/office/drawing/2014/main" id="{C7F8EC7E-BD53-66F7-9324-D31E8768D9E2}"/>
+                <a16:creationId xmlns:a16="http://schemas.microsoft.com/office/drawing/2014/main" id="{D0BEC72E-DAD6-F7E0-C5FD-ED5565A47E99}"/>
               </a:ext>
             </a:extLst>
           </p:cNvPr>
@@ -2868,7 +2868,7 @@
           <p:cNvPr id="4" name="日期占位符 3">
             <a:extLst>
               <a:ext uri="{FF2B5EF4-FFF2-40B4-BE49-F238E27FC236}">
-                <a16:creationId xmlns:a16="http://schemas.microsoft.com/office/drawing/2014/main" id="{1D2794EC-6A13-740B-4062-7F08A746B420}"/>
+                <a16:creationId xmlns:a16="http://schemas.microsoft.com/office/drawing/2014/main" id="{C94B374D-7913-674B-4788-A0E1026746AD}"/>
               </a:ext>
             </a:extLst>
           </p:cNvPr>
@@ -2902,7 +2902,7 @@
             </a:lvl1pPr>
           </a:lstStyle>
           <a:p>
-            <a:fld id="{1646E971-C812-44D9-A507-7F5B4748B41B}" type="datetimeFigureOut">
+            <a:fld id="{9275C36A-8011-4276-967A-8BDE6E01EBEB}" type="datetimeFigureOut">
               <a:rPr lang="zh-CN" altLang="en-US" smtClean="0"/>
               <a:t>2024/3/10</a:t>
             </a:fld>
@@ -2915,7 +2915,7 @@
           <p:cNvPr id="5" name="页脚占位符 4">
             <a:extLst>
               <a:ext uri="{FF2B5EF4-FFF2-40B4-BE49-F238E27FC236}">
-                <a16:creationId xmlns:a16="http://schemas.microsoft.com/office/drawing/2014/main" id="{028497AD-53A4-A0B4-F8FD-80BB2F47928A}"/>
+                <a16:creationId xmlns:a16="http://schemas.microsoft.com/office/drawing/2014/main" id="{435C527D-7D57-6BF4-B541-66C342AB3CDE}"/>
               </a:ext>
             </a:extLst>
           </p:cNvPr>
@@ -2958,7 +2958,7 @@
           <p:cNvPr id="6" name="灯片编号占位符 5">
             <a:extLst>
               <a:ext uri="{FF2B5EF4-FFF2-40B4-BE49-F238E27FC236}">
-                <a16:creationId xmlns:a16="http://schemas.microsoft.com/office/drawing/2014/main" id="{27F57AF7-5072-F383-9E27-F3A63878E7A2}"/>
+                <a16:creationId xmlns:a16="http://schemas.microsoft.com/office/drawing/2014/main" id="{2CBC81C1-6567-C31B-B847-3419D06B8C8F}"/>
               </a:ext>
             </a:extLst>
           </p:cNvPr>
@@ -2992,7 +2992,7 @@
             </a:lvl1pPr>
           </a:lstStyle>
           <a:p>
-            <a:fld id="{F9B21A13-4345-43FF-9140-3AB183743428}" type="slidenum">
+            <a:fld id="{4FF1695A-15C8-4038-B894-7EFE99B01AE0}" type="slidenum">
               <a:rPr lang="zh-CN" altLang="en-US" smtClean="0"/>
               <a:t>‹#›</a:t>
             </a:fld>
@@ -3003,7 +3003,7 @@
     </p:spTree>
     <p:extLst>
       <p:ext uri="{BB962C8B-B14F-4D97-AF65-F5344CB8AC3E}">
-        <p14:creationId xmlns:p14="http://schemas.microsoft.com/office/powerpoint/2010/main" val="1606774894"/>
+        <p14:creationId xmlns:p14="http://schemas.microsoft.com/office/powerpoint/2010/main" val="7450946"/>
       </p:ext>
     </p:extLst>
   </p:cSld>
@@ -3323,7 +3323,7 @@
       </p:grpSpPr>
       <p:pic>
         <p:nvPicPr>
-          <p:cNvPr id="175106" name="Picture 2" descr="170"/>
+          <p:cNvPr id="176130" name="Picture 2" descr="171"/>
           <p:cNvPicPr>
             <a:picLocks noChangeAspect="1" noChangeArrowheads="1"/>
           </p:cNvPicPr>
@@ -3375,11 +3375,158 @@
           </a:extLst>
         </p:spPr>
       </p:pic>
+      <p:pic>
+        <p:nvPicPr>
+          <p:cNvPr id="177155" name="Picture 3" descr="171-2"/>
+          <p:cNvPicPr>
+            <a:picLocks noChangeAspect="1" noChangeArrowheads="1"/>
+          </p:cNvPicPr>
+          <p:nvPr/>
+        </p:nvPicPr>
+        <p:blipFill>
+          <a:blip r:embed="rId3">
+            <a:extLst>
+              <a:ext uri="{28A0092B-C50C-407E-A947-70E740481C1C}">
+                <a14:useLocalDpi xmlns:a14="http://schemas.microsoft.com/office/drawing/2010/main" val="0"/>
+              </a:ext>
+            </a:extLst>
+          </a:blip>
+          <a:srcRect/>
+          <a:stretch>
+            <a:fillRect/>
+          </a:stretch>
+        </p:blipFill>
+        <p:spPr bwMode="auto">
+          <a:xfrm>
+            <a:off x="1524000" y="0"/>
+            <a:ext cx="9144000" cy="6858000"/>
+          </a:xfrm>
+          <a:prstGeom prst="rect">
+            <a:avLst/>
+          </a:prstGeom>
+          <a:noFill/>
+          <a:ln>
+            <a:noFill/>
+          </a:ln>
+          <a:effectLst/>
+          <a:extLst>
+            <a:ext uri="{909E8E84-426E-40DD-AFC4-6F175D3DCCD1}">
+              <a14:hiddenFill xmlns:a14="http://schemas.microsoft.com/office/drawing/2010/main">
+                <a:solidFill>
+                  <a:srgbClr val="FFFFFF"/>
+                </a:solidFill>
+              </a14:hiddenFill>
+            </a:ext>
+            <a:ext uri="{91240B29-F687-4F45-9708-019B960494DF}">
+              <a14:hiddenLine xmlns:a14="http://schemas.microsoft.com/office/drawing/2010/main" w="9525">
+                <a:solidFill>
+                  <a:srgbClr val="000000"/>
+                </a:solidFill>
+                <a:miter lim="800000"/>
+                <a:headEnd/>
+                <a:tailEnd/>
+              </a14:hiddenLine>
+            </a:ext>
+            <a:ext uri="{AF507438-7753-43E0-B8FC-AC1667EBCBE1}">
+              <a14:hiddenEffects xmlns:a14="http://schemas.microsoft.com/office/drawing/2010/main">
+                <a:effectLst>
+                  <a:outerShdw dist="35921" dir="2700000" algn="ctr" rotWithShape="0">
+                    <a:srgbClr val="808080"/>
+                  </a:outerShdw>
+                </a:effectLst>
+              </a14:hiddenEffects>
+            </a:ext>
+          </a:extLst>
+        </p:spPr>
+      </p:pic>
     </p:spTree>
   </p:cSld>
   <p:clrMapOvr>
     <a:masterClrMapping/>
   </p:clrMapOvr>
+  <p:timing>
+    <p:tnLst>
+      <p:par>
+        <p:cTn id="1" dur="indefinite" restart="never" nodeType="tmRoot">
+          <p:childTnLst>
+            <p:seq concurrent="1" nextAc="seek">
+              <p:cTn id="2" dur="indefinite" nodeType="mainSeq">
+                <p:childTnLst>
+                  <p:par>
+                    <p:cTn id="3" fill="hold" nodeType="clickPar">
+                      <p:stCondLst>
+                        <p:cond delay="indefinite"/>
+                      </p:stCondLst>
+                      <p:childTnLst>
+                        <p:par>
+                          <p:cTn id="4" fill="hold" nodeType="withGroup">
+                            <p:stCondLst>
+                              <p:cond delay="0"/>
+                            </p:stCondLst>
+                            <p:childTnLst>
+                              <p:par>
+                                <p:cTn id="5" presetID="10" presetClass="entr" presetSubtype="0" fill="hold" nodeType="clickEffect">
+                                  <p:stCondLst>
+                                    <p:cond delay="0"/>
+                                  </p:stCondLst>
+                                  <p:childTnLst>
+                                    <p:set>
+                                      <p:cBhvr>
+                                        <p:cTn id="6" dur="1" fill="hold">
+                                          <p:stCondLst>
+                                            <p:cond delay="0"/>
+                                          </p:stCondLst>
+                                        </p:cTn>
+                                        <p:tgtEl>
+                                          <p:spTgt spid="177155"/>
+                                        </p:tgtEl>
+                                        <p:attrNameLst>
+                                          <p:attrName>style.visibility</p:attrName>
+                                        </p:attrNameLst>
+                                      </p:cBhvr>
+                                      <p:to>
+                                        <p:strVal val="visible"/>
+                                      </p:to>
+                                    </p:set>
+                                    <p:animEffect transition="in" filter="fade">
+                                      <p:cBhvr>
+                                        <p:cTn id="7" dur="500"/>
+                                        <p:tgtEl>
+                                          <p:spTgt spid="177155"/>
+                                        </p:tgtEl>
+                                      </p:cBhvr>
+                                    </p:animEffect>
+                                  </p:childTnLst>
+                                </p:cTn>
+                              </p:par>
+                            </p:childTnLst>
+                          </p:cTn>
+                        </p:par>
+                      </p:childTnLst>
+                    </p:cTn>
+                  </p:par>
+                </p:childTnLst>
+              </p:cTn>
+              <p:prevCondLst>
+                <p:cond evt="onPrev" delay="0">
+                  <p:tgtEl>
+                    <p:sldTgt/>
+                  </p:tgtEl>
+                </p:cond>
+              </p:prevCondLst>
+              <p:nextCondLst>
+                <p:cond evt="onNext" delay="0">
+                  <p:tgtEl>
+                    <p:sldTgt/>
+                  </p:tgtEl>
+                </p:cond>
+              </p:nextCondLst>
+            </p:seq>
+          </p:childTnLst>
+        </p:cTn>
+      </p:par>
+    </p:tnLst>
+  </p:timing>
 </p:sld>
 </file>
 
